--- a/_lessons/Slides/Day 1/02_BaseR_Tidyverse/Classes.pptx
+++ b/_lessons/Slides/Day 1/02_BaseR_Tidyverse/Classes.pptx
@@ -104,11 +104,16 @@
       </a:defRPr>
     </a:lvl9pPr>
   </p:defaultTextStyle>
+  <p:extLst>
+    <p:ext uri="{EFAFB233-063F-42B5-8137-9DF3F51BA10A}">
+      <p15:sldGuideLst xmlns:p15="http://schemas.microsoft.com/office/powerpoint/2012/main"/>
+    </p:ext>
+  </p:extLst>
 </p:presentation>
 </file>
 
 <file path=ppt/slideLayouts/slideLayout1.xml><?xml version="1.0" encoding="utf-8"?>
-<p:sldLayout xmlns:a="http://schemas.openxmlformats.org/drawingml/2006/main" xmlns:r="http://schemas.openxmlformats.org/officeDocument/2006/relationships" xmlns:p="http://schemas.openxmlformats.org/presentationml/2006/main" type="title" preserve="1">
+<p:sldLayout xmlns:a="http://schemas.openxmlformats.org/drawingml/2006/main" xmlns:r="http://schemas.openxmlformats.org/officeDocument/2006/relationships" xmlns:p="http://schemas.openxmlformats.org/presentationml/2006/main" showMasterSp="0" type="title" preserve="1">
   <p:cSld name="Titelfolie">
     <p:spTree>
       <p:nvGrpSpPr>
@@ -330,7 +335,7 @@
 </file>
 
 <file path=ppt/slideLayouts/slideLayout10.xml><?xml version="1.0" encoding="utf-8"?>
-<p:sldLayout xmlns:a="http://schemas.openxmlformats.org/drawingml/2006/main" xmlns:r="http://schemas.openxmlformats.org/officeDocument/2006/relationships" xmlns:p="http://schemas.openxmlformats.org/presentationml/2006/main" type="vertTx" preserve="1">
+<p:sldLayout xmlns:a="http://schemas.openxmlformats.org/drawingml/2006/main" xmlns:r="http://schemas.openxmlformats.org/officeDocument/2006/relationships" xmlns:p="http://schemas.openxmlformats.org/presentationml/2006/main" showMasterSp="0" type="vertTx" preserve="1">
   <p:cSld name="Titel und vertikaler Text">
     <p:spTree>
       <p:nvGrpSpPr>
@@ -530,7 +535,7 @@
 </file>
 
 <file path=ppt/slideLayouts/slideLayout11.xml><?xml version="1.0" encoding="utf-8"?>
-<p:sldLayout xmlns:a="http://schemas.openxmlformats.org/drawingml/2006/main" xmlns:r="http://schemas.openxmlformats.org/officeDocument/2006/relationships" xmlns:p="http://schemas.openxmlformats.org/presentationml/2006/main" type="vertTitleAndTx" preserve="1">
+<p:sldLayout xmlns:a="http://schemas.openxmlformats.org/drawingml/2006/main" xmlns:r="http://schemas.openxmlformats.org/officeDocument/2006/relationships" xmlns:p="http://schemas.openxmlformats.org/presentationml/2006/main" showMasterSp="0" type="vertTitleAndTx" preserve="1">
   <p:cSld name="Vertikaler Titel und Text">
     <p:spTree>
       <p:nvGrpSpPr>
@@ -740,7 +745,7 @@
 </file>
 
 <file path=ppt/slideLayouts/slideLayout2.xml><?xml version="1.0" encoding="utf-8"?>
-<p:sldLayout xmlns:a="http://schemas.openxmlformats.org/drawingml/2006/main" xmlns:r="http://schemas.openxmlformats.org/officeDocument/2006/relationships" xmlns:p="http://schemas.openxmlformats.org/presentationml/2006/main" type="obj" preserve="1">
+<p:sldLayout xmlns:a="http://schemas.openxmlformats.org/drawingml/2006/main" xmlns:r="http://schemas.openxmlformats.org/officeDocument/2006/relationships" xmlns:p="http://schemas.openxmlformats.org/presentationml/2006/main" showMasterSp="0" type="obj" preserve="1">
   <p:cSld name="Titel und Inhalt">
     <p:spTree>
       <p:nvGrpSpPr>
@@ -940,7 +945,7 @@
 </file>
 
 <file path=ppt/slideLayouts/slideLayout3.xml><?xml version="1.0" encoding="utf-8"?>
-<p:sldLayout xmlns:a="http://schemas.openxmlformats.org/drawingml/2006/main" xmlns:r="http://schemas.openxmlformats.org/officeDocument/2006/relationships" xmlns:p="http://schemas.openxmlformats.org/presentationml/2006/main" type="secHead" preserve="1">
+<p:sldLayout xmlns:a="http://schemas.openxmlformats.org/drawingml/2006/main" xmlns:r="http://schemas.openxmlformats.org/officeDocument/2006/relationships" xmlns:p="http://schemas.openxmlformats.org/presentationml/2006/main" showMasterSp="0" type="secHead" preserve="1">
   <p:cSld name="Abschnitts-&#10;überschrift">
     <p:spTree>
       <p:nvGrpSpPr>
@@ -1216,7 +1221,7 @@
 </file>
 
 <file path=ppt/slideLayouts/slideLayout4.xml><?xml version="1.0" encoding="utf-8"?>
-<p:sldLayout xmlns:a="http://schemas.openxmlformats.org/drawingml/2006/main" xmlns:r="http://schemas.openxmlformats.org/officeDocument/2006/relationships" xmlns:p="http://schemas.openxmlformats.org/presentationml/2006/main" type="twoObj" preserve="1">
+<p:sldLayout xmlns:a="http://schemas.openxmlformats.org/drawingml/2006/main" xmlns:r="http://schemas.openxmlformats.org/officeDocument/2006/relationships" xmlns:p="http://schemas.openxmlformats.org/presentationml/2006/main" showMasterSp="0" type="twoObj" preserve="1">
   <p:cSld name="Zwei Inhalte">
     <p:spTree>
       <p:nvGrpSpPr>
@@ -1484,7 +1489,7 @@
 </file>
 
 <file path=ppt/slideLayouts/slideLayout5.xml><?xml version="1.0" encoding="utf-8"?>
-<p:sldLayout xmlns:a="http://schemas.openxmlformats.org/drawingml/2006/main" xmlns:r="http://schemas.openxmlformats.org/officeDocument/2006/relationships" xmlns:p="http://schemas.openxmlformats.org/presentationml/2006/main" type="twoTxTwoObj" preserve="1">
+<p:sldLayout xmlns:a="http://schemas.openxmlformats.org/drawingml/2006/main" xmlns:r="http://schemas.openxmlformats.org/officeDocument/2006/relationships" xmlns:p="http://schemas.openxmlformats.org/presentationml/2006/main" showMasterSp="0" type="twoTxTwoObj" preserve="1">
   <p:cSld name="Vergleich">
     <p:spTree>
       <p:nvGrpSpPr>
@@ -1899,7 +1904,7 @@
 </file>
 
 <file path=ppt/slideLayouts/slideLayout6.xml><?xml version="1.0" encoding="utf-8"?>
-<p:sldLayout xmlns:a="http://schemas.openxmlformats.org/drawingml/2006/main" xmlns:r="http://schemas.openxmlformats.org/officeDocument/2006/relationships" xmlns:p="http://schemas.openxmlformats.org/presentationml/2006/main" type="titleOnly" preserve="1">
+<p:sldLayout xmlns:a="http://schemas.openxmlformats.org/drawingml/2006/main" xmlns:r="http://schemas.openxmlformats.org/officeDocument/2006/relationships" xmlns:p="http://schemas.openxmlformats.org/presentationml/2006/main" showMasterSp="0" type="titleOnly" preserve="1">
   <p:cSld name="Nur Titel">
     <p:spTree>
       <p:nvGrpSpPr>
@@ -2041,7 +2046,7 @@
 </file>
 
 <file path=ppt/slideLayouts/slideLayout7.xml><?xml version="1.0" encoding="utf-8"?>
-<p:sldLayout xmlns:a="http://schemas.openxmlformats.org/drawingml/2006/main" xmlns:r="http://schemas.openxmlformats.org/officeDocument/2006/relationships" xmlns:p="http://schemas.openxmlformats.org/presentationml/2006/main" type="blank" preserve="1">
+<p:sldLayout xmlns:a="http://schemas.openxmlformats.org/drawingml/2006/main" xmlns:r="http://schemas.openxmlformats.org/officeDocument/2006/relationships" xmlns:p="http://schemas.openxmlformats.org/presentationml/2006/main" showMasterSp="0" type="blank" preserve="1">
   <p:cSld name="Leer">
     <p:spTree>
       <p:nvGrpSpPr>
@@ -2154,7 +2159,7 @@
 </file>
 
 <file path=ppt/slideLayouts/slideLayout8.xml><?xml version="1.0" encoding="utf-8"?>
-<p:sldLayout xmlns:a="http://schemas.openxmlformats.org/drawingml/2006/main" xmlns:r="http://schemas.openxmlformats.org/officeDocument/2006/relationships" xmlns:p="http://schemas.openxmlformats.org/presentationml/2006/main" type="objTx" preserve="1">
+<p:sldLayout xmlns:a="http://schemas.openxmlformats.org/drawingml/2006/main" xmlns:r="http://schemas.openxmlformats.org/officeDocument/2006/relationships" xmlns:p="http://schemas.openxmlformats.org/presentationml/2006/main" showMasterSp="0" type="objTx" preserve="1">
   <p:cSld name="Inhalt mit Überschrift">
     <p:spTree>
       <p:nvGrpSpPr>
@@ -2467,7 +2472,7 @@
 </file>
 
 <file path=ppt/slideLayouts/slideLayout9.xml><?xml version="1.0" encoding="utf-8"?>
-<p:sldLayout xmlns:a="http://schemas.openxmlformats.org/drawingml/2006/main" xmlns:r="http://schemas.openxmlformats.org/officeDocument/2006/relationships" xmlns:p="http://schemas.openxmlformats.org/presentationml/2006/main" type="picTx" preserve="1">
+<p:sldLayout xmlns:a="http://schemas.openxmlformats.org/drawingml/2006/main" xmlns:r="http://schemas.openxmlformats.org/officeDocument/2006/relationships" xmlns:p="http://schemas.openxmlformats.org/presentationml/2006/main" showMasterSp="0" type="picTx" preserve="1">
   <p:cSld name="Bild mit Überschrift">
     <p:spTree>
       <p:nvGrpSpPr>
@@ -2759,9 +2764,14 @@
 <p:sldMaster xmlns:a="http://schemas.openxmlformats.org/drawingml/2006/main" xmlns:r="http://schemas.openxmlformats.org/officeDocument/2006/relationships" xmlns:p="http://schemas.openxmlformats.org/presentationml/2006/main">
   <p:cSld>
     <p:bg>
-      <p:bgRef idx="1001">
-        <a:schemeClr val="bg1"/>
-      </p:bgRef>
+      <p:bgPr>
+        <a:solidFill>
+          <a:schemeClr val="bg1">
+            <a:alpha val="0"/>
+          </a:schemeClr>
+        </a:solidFill>
+        <a:effectLst/>
+      </p:bgPr>
     </p:bg>
     <p:spTree>
       <p:nvGrpSpPr>
@@ -3326,7 +3336,7 @@
 </file>
 
 <file path=ppt/slides/slide1.xml><?xml version="1.0" encoding="utf-8"?>
-<p:sld xmlns:a="http://schemas.openxmlformats.org/drawingml/2006/main" xmlns:r="http://schemas.openxmlformats.org/officeDocument/2006/relationships" xmlns:p="http://schemas.openxmlformats.org/presentationml/2006/main">
+<p:sld xmlns:a="http://schemas.openxmlformats.org/drawingml/2006/main" xmlns:r="http://schemas.openxmlformats.org/officeDocument/2006/relationships" xmlns:p="http://schemas.openxmlformats.org/presentationml/2006/main" showMasterSp="0">
   <p:cSld>
     <p:spTree>
       <p:nvGrpSpPr>
@@ -3357,13 +3367,13 @@
         <p:spPr>
           <a:xfrm>
             <a:off x="8924924" y="3119426"/>
-            <a:ext cx="3190875" cy="3316991"/>
+            <a:ext cx="3190875" cy="3586174"/>
           </a:xfrm>
           <a:prstGeom prst="rect">
             <a:avLst/>
           </a:prstGeom>
           <a:noFill/>
-          <a:ln w="28575">
+          <a:ln w="38100">
             <a:solidFill>
               <a:srgbClr val="FF0000"/>
             </a:solidFill>
@@ -3499,18 +3509,20 @@
               </a:ext>
             </a:extLst>
           </p:cNvPr>
-          <p:cNvCxnSpPr/>
+          <p:cNvCxnSpPr>
+            <a:cxnSpLocks/>
+          </p:cNvCxnSpPr>
           <p:nvPr/>
         </p:nvCxnSpPr>
         <p:spPr>
           <a:xfrm flipH="1">
-            <a:off x="8417535" y="1872742"/>
-            <a:ext cx="776331" cy="0"/>
+            <a:off x="8174255" y="1655919"/>
+            <a:ext cx="1208014" cy="0"/>
           </a:xfrm>
           <a:prstGeom prst="straightConnector1">
             <a:avLst/>
           </a:prstGeom>
-          <a:ln>
+          <a:ln w="38100">
             <a:tailEnd type="triangle"/>
           </a:ln>
         </p:spPr>
@@ -3558,44 +3570,64 @@
           <a:lstStyle/>
           <a:p>
             <a:r>
-              <a:rPr lang="de-DE" sz="1400" dirty="0"/>
+              <a:rPr lang="de-DE" sz="1400" dirty="0">
+                <a:latin typeface="IBM Plex Sans" panose="020B0503050203000203" pitchFamily="34" charset="0"/>
+              </a:rPr>
               <a:t>Objects </a:t>
             </a:r>
             <a:r>
-              <a:rPr lang="de-DE" sz="1400" dirty="0" err="1"/>
+              <a:rPr lang="de-DE" sz="1400" dirty="0" err="1">
+                <a:latin typeface="IBM Plex Sans" panose="020B0503050203000203" pitchFamily="34" charset="0"/>
+              </a:rPr>
               <a:t>we</a:t>
             </a:r>
             <a:r>
-              <a:rPr lang="de-DE" sz="1400" dirty="0"/>
+              <a:rPr lang="de-DE" sz="1400" dirty="0">
+                <a:latin typeface="IBM Plex Sans" panose="020B0503050203000203" pitchFamily="34" charset="0"/>
+              </a:rPr>
               <a:t> will </a:t>
             </a:r>
             <a:r>
-              <a:rPr lang="de-DE" sz="1400" dirty="0" err="1"/>
+              <a:rPr lang="de-DE" sz="1400" dirty="0" err="1">
+                <a:latin typeface="IBM Plex Sans" panose="020B0503050203000203" pitchFamily="34" charset="0"/>
+              </a:rPr>
               <a:t>often</a:t>
             </a:r>
             <a:r>
-              <a:rPr lang="de-DE" sz="1400" dirty="0"/>
+              <a:rPr lang="de-DE" sz="1400" dirty="0">
+                <a:latin typeface="IBM Plex Sans" panose="020B0503050203000203" pitchFamily="34" charset="0"/>
+              </a:rPr>
               <a:t> </a:t>
             </a:r>
             <a:r>
-              <a:rPr lang="de-DE" sz="1400" dirty="0" err="1"/>
+              <a:rPr lang="de-DE" sz="1400" dirty="0" err="1">
+                <a:latin typeface="IBM Plex Sans" panose="020B0503050203000203" pitchFamily="34" charset="0"/>
+              </a:rPr>
               <a:t>work</a:t>
             </a:r>
             <a:r>
-              <a:rPr lang="de-DE" sz="1400" dirty="0"/>
+              <a:rPr lang="de-DE" sz="1400" dirty="0">
+                <a:latin typeface="IBM Plex Sans" panose="020B0503050203000203" pitchFamily="34" charset="0"/>
+              </a:rPr>
               <a:t> </a:t>
             </a:r>
             <a:r>
-              <a:rPr lang="de-DE" sz="1400" dirty="0" err="1"/>
+              <a:rPr lang="de-DE" sz="1400" dirty="0" err="1">
+                <a:latin typeface="IBM Plex Sans" panose="020B0503050203000203" pitchFamily="34" charset="0"/>
+              </a:rPr>
               <a:t>with</a:t>
             </a:r>
             <a:r>
-              <a:rPr lang="de-DE" sz="1400" dirty="0"/>
+              <a:rPr lang="de-DE" sz="1400" dirty="0">
+                <a:latin typeface="IBM Plex Sans" panose="020B0503050203000203" pitchFamily="34" charset="0"/>
+              </a:rPr>
               <a:t>:</a:t>
             </a:r>
           </a:p>
           <a:p>
-            <a:endParaRPr lang="de-DE" sz="1400" dirty="0"/>
+            <a:endParaRPr lang="de-DE" sz="1400" dirty="0">
+              <a:latin typeface="IBM Plex Sans" panose="020B0503050203000203" pitchFamily="34" charset="0"/>
+            </a:endParaRPr>
           </a:p>
           <a:p>
             <a:pPr marL="285750" indent="-285750">
@@ -3603,10 +3635,14 @@
               <a:buChar char="-"/>
             </a:pPr>
             <a:r>
-              <a:rPr lang="de-DE" sz="1400" dirty="0" err="1"/>
+              <a:rPr lang="de-DE" sz="1400" dirty="0" err="1">
+                <a:latin typeface="IBM Plex Sans" panose="020B0503050203000203" pitchFamily="34" charset="0"/>
+              </a:rPr>
               <a:t>Vectors</a:t>
             </a:r>
-            <a:endParaRPr lang="de-DE" sz="1400" dirty="0"/>
+            <a:endParaRPr lang="de-DE" sz="1400" dirty="0">
+              <a:latin typeface="IBM Plex Sans" panose="020B0503050203000203" pitchFamily="34" charset="0"/>
+            </a:endParaRPr>
           </a:p>
           <a:p>
             <a:pPr marL="285750" indent="-285750">
@@ -3614,7 +3650,9 @@
               <a:buChar char="-"/>
             </a:pPr>
             <a:r>
-              <a:rPr lang="de-DE" sz="1400" dirty="0"/>
+              <a:rPr lang="de-DE" sz="1400" dirty="0">
+                <a:latin typeface="IBM Plex Sans" panose="020B0503050203000203" pitchFamily="34" charset="0"/>
+              </a:rPr>
               <a:t>Matrices</a:t>
             </a:r>
           </a:p>
@@ -3624,14 +3662,20 @@
               <a:buChar char="-"/>
             </a:pPr>
             <a:r>
-              <a:rPr lang="de-DE" sz="1400" dirty="0"/>
+              <a:rPr lang="de-DE" sz="1400" dirty="0">
+                <a:latin typeface="IBM Plex Sans" panose="020B0503050203000203" pitchFamily="34" charset="0"/>
+              </a:rPr>
               <a:t>Data </a:t>
             </a:r>
             <a:r>
-              <a:rPr lang="de-DE" sz="1400" dirty="0" err="1"/>
+              <a:rPr lang="de-DE" sz="1400" dirty="0" err="1">
+                <a:latin typeface="IBM Plex Sans" panose="020B0503050203000203" pitchFamily="34" charset="0"/>
+              </a:rPr>
               <a:t>frames</a:t>
             </a:r>
-            <a:endParaRPr lang="de-DE" sz="1400" dirty="0"/>
+            <a:endParaRPr lang="de-DE" sz="1400" dirty="0">
+              <a:latin typeface="IBM Plex Sans" panose="020B0503050203000203" pitchFamily="34" charset="0"/>
+            </a:endParaRPr>
           </a:p>
           <a:p>
             <a:pPr marL="285750" indent="-285750">
@@ -3639,11 +3683,15 @@
               <a:buChar char="-"/>
             </a:pPr>
             <a:r>
-              <a:rPr lang="de-DE" sz="1400" dirty="0" err="1"/>
+              <a:rPr lang="de-DE" sz="1400" dirty="0" err="1">
+                <a:latin typeface="IBM Plex Sans" panose="020B0503050203000203" pitchFamily="34" charset="0"/>
+              </a:rPr>
               <a:t>Functions</a:t>
             </a:r>
             <a:r>
-              <a:rPr lang="de-DE" sz="1400" dirty="0"/>
+              <a:rPr lang="de-DE" sz="1400" dirty="0">
+                <a:latin typeface="IBM Plex Sans" panose="020B0503050203000203" pitchFamily="34" charset="0"/>
+              </a:rPr>
               <a:t> (!)</a:t>
             </a:r>
           </a:p>
@@ -3653,7 +3701,9 @@
               <a:buChar char="-"/>
             </a:pPr>
             <a:r>
-              <a:rPr lang="de-DE" sz="1400" dirty="0"/>
+              <a:rPr lang="de-DE" sz="1400" dirty="0">
+                <a:latin typeface="IBM Plex Sans" panose="020B0503050203000203" pitchFamily="34" charset="0"/>
+              </a:rPr>
               <a:t>Lists</a:t>
             </a:r>
           </a:p>
@@ -3663,10 +3713,14 @@
               <a:buChar char="-"/>
             </a:pPr>
             <a:r>
-              <a:rPr lang="de-DE" sz="1400" dirty="0"/>
+              <a:rPr lang="de-DE" sz="1400" dirty="0">
+                <a:latin typeface="IBM Plex Sans" panose="020B0503050203000203" pitchFamily="34" charset="0"/>
+              </a:rPr>
               <a:t>…</a:t>
             </a:r>
-            <a:endParaRPr lang="en-IE" sz="1400" dirty="0"/>
+            <a:endParaRPr lang="en-IE" sz="1400" dirty="0">
+              <a:latin typeface="IBM Plex Sans" panose="020B0503050203000203" pitchFamily="34" charset="0"/>
+            </a:endParaRPr>
           </a:p>
         </p:txBody>
       </p:sp>
@@ -3684,10 +3738,10 @@
         </p:nvGrpSpPr>
         <p:grpSpPr>
           <a:xfrm>
-            <a:off x="-17030" y="467191"/>
-            <a:ext cx="9356653" cy="6030724"/>
-            <a:chOff x="541655" y="469460"/>
-            <a:chExt cx="9356653" cy="6030724"/>
+            <a:off x="2066" y="467191"/>
+            <a:ext cx="9337557" cy="6033143"/>
+            <a:chOff x="560751" y="469460"/>
+            <a:chExt cx="9337557" cy="6033143"/>
           </a:xfrm>
         </p:grpSpPr>
         <p:sp>
@@ -3771,10 +3825,14 @@
             <a:lstStyle/>
             <a:p>
               <a:r>
-                <a:rPr lang="de-DE" sz="2400" dirty="0"/>
+                <a:rPr lang="de-DE" sz="2400" dirty="0">
+                  <a:latin typeface="IBM Plex Sans" panose="020B0503050203000203" pitchFamily="34" charset="0"/>
+                </a:rPr>
                 <a:t>Class</a:t>
               </a:r>
-              <a:endParaRPr lang="en-IE" sz="2400" dirty="0"/>
+              <a:endParaRPr lang="en-IE" sz="2400" dirty="0">
+                <a:latin typeface="IBM Plex Sans" panose="020B0503050203000203" pitchFamily="34" charset="0"/>
+              </a:endParaRPr>
             </a:p>
           </p:txBody>
         </p:sp>
@@ -3800,7 +3858,7 @@
             <a:prstGeom prst="straightConnector1">
               <a:avLst/>
             </a:prstGeom>
-            <a:ln>
+            <a:ln w="38100">
               <a:tailEnd type="triangle"/>
             </a:ln>
           </p:spPr>
@@ -3834,7 +3892,7 @@
           <p:spPr>
             <a:xfrm>
               <a:off x="998291" y="1134968"/>
-              <a:ext cx="3154260" cy="523220"/>
+              <a:ext cx="3154260" cy="738664"/>
             </a:xfrm>
             <a:prstGeom prst="rect">
               <a:avLst/>
@@ -3848,66 +3906,98 @@
             <a:lstStyle/>
             <a:p>
               <a:r>
-                <a:rPr lang="de-DE" sz="1400" dirty="0"/>
+                <a:rPr lang="de-DE" sz="1400" dirty="0">
+                  <a:latin typeface="IBM Plex Sans" panose="020B0503050203000203" pitchFamily="34" charset="0"/>
+                </a:rPr>
                 <a:t>Think </a:t>
               </a:r>
               <a:r>
-                <a:rPr lang="de-DE" sz="1400" dirty="0" err="1"/>
+                <a:rPr lang="de-DE" sz="1400" dirty="0" err="1">
+                  <a:latin typeface="IBM Plex Sans" panose="020B0503050203000203" pitchFamily="34" charset="0"/>
+                </a:rPr>
                 <a:t>of</a:t>
               </a:r>
               <a:r>
-                <a:rPr lang="de-DE" sz="1400" dirty="0"/>
+                <a:rPr lang="de-DE" sz="1400" dirty="0">
+                  <a:latin typeface="IBM Plex Sans" panose="020B0503050203000203" pitchFamily="34" charset="0"/>
+                </a:rPr>
                 <a:t> a </a:t>
               </a:r>
               <a:r>
-                <a:rPr lang="de-DE" sz="1400" dirty="0" err="1"/>
+                <a:rPr lang="de-DE" sz="1400" dirty="0" err="1">
+                  <a:latin typeface="IBM Plex Sans" panose="020B0503050203000203" pitchFamily="34" charset="0"/>
+                </a:rPr>
                 <a:t>class</a:t>
               </a:r>
               <a:r>
-                <a:rPr lang="de-DE" sz="1400" dirty="0"/>
+                <a:rPr lang="de-DE" sz="1400" dirty="0">
+                  <a:latin typeface="IBM Plex Sans" panose="020B0503050203000203" pitchFamily="34" charset="0"/>
+                </a:rPr>
                 <a:t> like a </a:t>
               </a:r>
               <a:r>
-                <a:rPr lang="de-DE" sz="1400" dirty="0" err="1"/>
+                <a:rPr lang="de-DE" sz="1400" dirty="0" err="1">
+                  <a:latin typeface="IBM Plex Sans" panose="020B0503050203000203" pitchFamily="34" charset="0"/>
+                </a:rPr>
                 <a:t>blueprint</a:t>
               </a:r>
               <a:r>
-                <a:rPr lang="de-DE" sz="1400" dirty="0"/>
+                <a:rPr lang="de-DE" sz="1400" dirty="0">
+                  <a:latin typeface="IBM Plex Sans" panose="020B0503050203000203" pitchFamily="34" charset="0"/>
+                </a:rPr>
                 <a:t>/</a:t>
               </a:r>
               <a:r>
-                <a:rPr lang="de-DE" sz="1400" dirty="0" err="1"/>
+                <a:rPr lang="de-DE" sz="1400" dirty="0" err="1">
+                  <a:latin typeface="IBM Plex Sans" panose="020B0503050203000203" pitchFamily="34" charset="0"/>
+                </a:rPr>
                 <a:t>outline</a:t>
               </a:r>
               <a:r>
-                <a:rPr lang="de-DE" sz="1400" dirty="0"/>
+                <a:rPr lang="de-DE" sz="1400" dirty="0">
+                  <a:latin typeface="IBM Plex Sans" panose="020B0503050203000203" pitchFamily="34" charset="0"/>
+                </a:rPr>
                 <a:t> </a:t>
               </a:r>
               <a:r>
-                <a:rPr lang="de-DE" sz="1400" dirty="0" err="1"/>
+                <a:rPr lang="de-DE" sz="1400" dirty="0" err="1">
+                  <a:latin typeface="IBM Plex Sans" panose="020B0503050203000203" pitchFamily="34" charset="0"/>
+                </a:rPr>
                 <a:t>of</a:t>
               </a:r>
               <a:r>
-                <a:rPr lang="de-DE" sz="1400" dirty="0"/>
+                <a:rPr lang="de-DE" sz="1400" dirty="0">
+                  <a:latin typeface="IBM Plex Sans" panose="020B0503050203000203" pitchFamily="34" charset="0"/>
+                </a:rPr>
                 <a:t> an </a:t>
               </a:r>
               <a:r>
-                <a:rPr lang="de-DE" sz="1400" dirty="0" err="1"/>
+                <a:rPr lang="de-DE" sz="1400" dirty="0" err="1">
+                  <a:latin typeface="IBM Plex Sans" panose="020B0503050203000203" pitchFamily="34" charset="0"/>
+                </a:rPr>
                 <a:t>object</a:t>
               </a:r>
               <a:r>
-                <a:rPr lang="de-DE" sz="1400" dirty="0"/>
+                <a:rPr lang="de-DE" sz="1400" dirty="0">
+                  <a:latin typeface="IBM Plex Sans" panose="020B0503050203000203" pitchFamily="34" charset="0"/>
+                </a:rPr>
                 <a:t>. An „</a:t>
               </a:r>
               <a:r>
-                <a:rPr lang="de-DE" sz="1400" dirty="0" err="1"/>
+                <a:rPr lang="de-DE" sz="1400" dirty="0" err="1">
+                  <a:latin typeface="IBM Plex Sans" panose="020B0503050203000203" pitchFamily="34" charset="0"/>
+                </a:rPr>
                 <a:t>abstract</a:t>
               </a:r>
               <a:r>
-                <a:rPr lang="de-DE" sz="1400" dirty="0"/>
+                <a:rPr lang="de-DE" sz="1400" dirty="0">
+                  <a:latin typeface="IBM Plex Sans" panose="020B0503050203000203" pitchFamily="34" charset="0"/>
+                </a:rPr>
                 <a:t> type“.</a:t>
               </a:r>
-              <a:endParaRPr lang="en-IE" sz="1400" dirty="0"/>
+              <a:endParaRPr lang="en-IE" sz="1400" dirty="0">
+                <a:latin typeface="IBM Plex Sans" panose="020B0503050203000203" pitchFamily="34" charset="0"/>
+              </a:endParaRPr>
             </a:p>
           </p:txBody>
         </p:sp>
@@ -4085,14 +4175,20 @@
             <a:lstStyle/>
             <a:p>
               <a:r>
-                <a:rPr lang="de-DE" dirty="0" err="1"/>
+                <a:rPr lang="de-DE" dirty="0" err="1">
+                  <a:latin typeface="IBM Plex Sans" panose="020B0503050203000203" pitchFamily="34" charset="0"/>
+                </a:rPr>
                 <a:t>Object</a:t>
               </a:r>
               <a:r>
-                <a:rPr lang="de-DE" dirty="0"/>
+                <a:rPr lang="de-DE" dirty="0">
+                  <a:latin typeface="IBM Plex Sans" panose="020B0503050203000203" pitchFamily="34" charset="0"/>
+                </a:rPr>
                 <a:t> 1</a:t>
               </a:r>
-              <a:endParaRPr lang="en-IE" dirty="0"/>
+              <a:endParaRPr lang="en-IE" dirty="0">
+                <a:latin typeface="IBM Plex Sans" panose="020B0503050203000203" pitchFamily="34" charset="0"/>
+              </a:endParaRPr>
             </a:p>
           </p:txBody>
         </p:sp>
@@ -4125,14 +4221,20 @@
             <a:lstStyle/>
             <a:p>
               <a:r>
-                <a:rPr lang="de-DE" dirty="0" err="1"/>
+                <a:rPr lang="de-DE" dirty="0" err="1">
+                  <a:latin typeface="IBM Plex Sans" panose="020B0503050203000203" pitchFamily="34" charset="0"/>
+                </a:rPr>
                 <a:t>Object</a:t>
               </a:r>
               <a:r>
-                <a:rPr lang="de-DE" dirty="0"/>
+                <a:rPr lang="de-DE" dirty="0">
+                  <a:latin typeface="IBM Plex Sans" panose="020B0503050203000203" pitchFamily="34" charset="0"/>
+                </a:rPr>
                 <a:t> 2</a:t>
               </a:r>
-              <a:endParaRPr lang="en-IE" dirty="0"/>
+              <a:endParaRPr lang="en-IE" dirty="0">
+                <a:latin typeface="IBM Plex Sans" panose="020B0503050203000203" pitchFamily="34" charset="0"/>
+              </a:endParaRPr>
             </a:p>
           </p:txBody>
         </p:sp>
@@ -4269,26 +4371,38 @@
             <a:lstStyle/>
             <a:p>
               <a:r>
-                <a:rPr lang="de-DE" sz="1600" dirty="0" err="1"/>
+                <a:rPr lang="de-DE" sz="1600" dirty="0" err="1">
+                  <a:latin typeface="IBM Plex Sans" panose="020B0503050203000203" pitchFamily="34" charset="0"/>
+                </a:rPr>
                 <a:t>Placeholder</a:t>
               </a:r>
               <a:r>
-                <a:rPr lang="de-DE" sz="1600" dirty="0"/>
+                <a:rPr lang="de-DE" sz="1600" dirty="0">
+                  <a:latin typeface="IBM Plex Sans" panose="020B0503050203000203" pitchFamily="34" charset="0"/>
+                </a:rPr>
                 <a:t> </a:t>
               </a:r>
               <a:r>
-                <a:rPr lang="de-DE" sz="1600" dirty="0" err="1"/>
+                <a:rPr lang="de-DE" sz="1600" dirty="0" err="1">
+                  <a:latin typeface="IBM Plex Sans" panose="020B0503050203000203" pitchFamily="34" charset="0"/>
+                </a:rPr>
                 <a:t>for</a:t>
               </a:r>
               <a:r>
-                <a:rPr lang="de-DE" sz="1600" dirty="0"/>
+                <a:rPr lang="de-DE" sz="1600" dirty="0">
+                  <a:latin typeface="IBM Plex Sans" panose="020B0503050203000203" pitchFamily="34" charset="0"/>
+                </a:rPr>
                 <a:t> </a:t>
               </a:r>
               <a:r>
-                <a:rPr lang="de-DE" sz="1600" dirty="0" err="1"/>
+                <a:rPr lang="de-DE" sz="1600" dirty="0" err="1">
+                  <a:latin typeface="IBM Plex Sans" panose="020B0503050203000203" pitchFamily="34" charset="0"/>
+                </a:rPr>
                 <a:t>data</a:t>
               </a:r>
-              <a:endParaRPr lang="en-IE" sz="1600" dirty="0"/>
+              <a:endParaRPr lang="en-IE" sz="1600" dirty="0">
+                <a:latin typeface="IBM Plex Sans" panose="020B0503050203000203" pitchFamily="34" charset="0"/>
+              </a:endParaRPr>
             </a:p>
           </p:txBody>
         </p:sp>
@@ -4307,7 +4421,7 @@
           <p:spPr>
             <a:xfrm>
               <a:off x="2336335" y="4400258"/>
-              <a:ext cx="2084664" cy="507831"/>
+              <a:ext cx="2084664" cy="677108"/>
             </a:xfrm>
             <a:prstGeom prst="rect">
               <a:avLst/>
@@ -4322,57 +4436,83 @@
             <a:p>
               <a:pPr algn="ctr"/>
               <a:r>
-                <a:rPr lang="de-DE" sz="1600" dirty="0"/>
+                <a:rPr lang="de-DE" sz="1600" dirty="0">
+                  <a:latin typeface="IBM Plex Sans" panose="020B0503050203000203" pitchFamily="34" charset="0"/>
+                </a:rPr>
                 <a:t>Methods </a:t>
               </a:r>
             </a:p>
             <a:p>
               <a:pPr algn="ctr"/>
               <a:r>
-                <a:rPr lang="de-DE" sz="1100" dirty="0"/>
+                <a:rPr lang="de-DE" sz="1100" dirty="0">
+                  <a:latin typeface="IBM Plex Sans" panose="020B0503050203000203" pitchFamily="34" charset="0"/>
+                </a:rPr>
                 <a:t>(</a:t>
               </a:r>
               <a:r>
-                <a:rPr lang="de-DE" sz="1100" dirty="0" err="1"/>
+                <a:rPr lang="de-DE" sz="1100" dirty="0" err="1">
+                  <a:latin typeface="IBM Plex Sans" panose="020B0503050203000203" pitchFamily="34" charset="0"/>
+                </a:rPr>
                 <a:t>What</a:t>
               </a:r>
               <a:r>
-                <a:rPr lang="de-DE" sz="1100" dirty="0"/>
+                <a:rPr lang="de-DE" sz="1100" dirty="0">
+                  <a:latin typeface="IBM Plex Sans" panose="020B0503050203000203" pitchFamily="34" charset="0"/>
+                </a:rPr>
                 <a:t> </a:t>
               </a:r>
               <a:r>
-                <a:rPr lang="de-DE" sz="1100" dirty="0" err="1"/>
+                <a:rPr lang="de-DE" sz="1100" dirty="0" err="1">
+                  <a:latin typeface="IBM Plex Sans" panose="020B0503050203000203" pitchFamily="34" charset="0"/>
+                </a:rPr>
                 <a:t>can</a:t>
               </a:r>
               <a:r>
-                <a:rPr lang="de-DE" sz="1100" dirty="0"/>
+                <a:rPr lang="de-DE" sz="1100" dirty="0">
+                  <a:latin typeface="IBM Plex Sans" panose="020B0503050203000203" pitchFamily="34" charset="0"/>
+                </a:rPr>
                 <a:t> I do </a:t>
               </a:r>
               <a:r>
-                <a:rPr lang="de-DE" sz="1100" dirty="0" err="1"/>
+                <a:rPr lang="de-DE" sz="1100" dirty="0" err="1">
+                  <a:latin typeface="IBM Plex Sans" panose="020B0503050203000203" pitchFamily="34" charset="0"/>
+                </a:rPr>
                 <a:t>with</a:t>
               </a:r>
               <a:r>
-                <a:rPr lang="de-DE" sz="1100" dirty="0"/>
+                <a:rPr lang="de-DE" sz="1100" dirty="0">
+                  <a:latin typeface="IBM Plex Sans" panose="020B0503050203000203" pitchFamily="34" charset="0"/>
+                </a:rPr>
                 <a:t> </a:t>
               </a:r>
               <a:r>
-                <a:rPr lang="de-DE" sz="1100" dirty="0" err="1"/>
+                <a:rPr lang="de-DE" sz="1100" dirty="0" err="1">
+                  <a:latin typeface="IBM Plex Sans" panose="020B0503050203000203" pitchFamily="34" charset="0"/>
+                </a:rPr>
                 <a:t>the</a:t>
               </a:r>
               <a:r>
-                <a:rPr lang="de-DE" sz="1100" dirty="0"/>
+                <a:rPr lang="de-DE" sz="1100" dirty="0">
+                  <a:latin typeface="IBM Plex Sans" panose="020B0503050203000203" pitchFamily="34" charset="0"/>
+                </a:rPr>
                 <a:t> </a:t>
               </a:r>
               <a:r>
-                <a:rPr lang="de-DE" sz="1100" dirty="0" err="1"/>
+                <a:rPr lang="de-DE" sz="1100" dirty="0" err="1">
+                  <a:latin typeface="IBM Plex Sans" panose="020B0503050203000203" pitchFamily="34" charset="0"/>
+                </a:rPr>
                 <a:t>object</a:t>
               </a:r>
               <a:r>
-                <a:rPr lang="de-DE" sz="1100" dirty="0"/>
+                <a:rPr lang="de-DE" sz="1100" dirty="0">
+                  <a:latin typeface="IBM Plex Sans" panose="020B0503050203000203" pitchFamily="34" charset="0"/>
+                </a:rPr>
                 <a:t>?)</a:t>
               </a:r>
-              <a:endParaRPr lang="en-IE" sz="1100" dirty="0"/>
+              <a:endParaRPr lang="en-IE" sz="1100" dirty="0">
+                <a:latin typeface="IBM Plex Sans" panose="020B0503050203000203" pitchFamily="34" charset="0"/>
+              </a:endParaRPr>
             </a:p>
           </p:txBody>
         </p:sp>
@@ -4457,10 +4597,14 @@
             <a:lstStyle/>
             <a:p>
               <a:r>
-                <a:rPr lang="de-DE" sz="1600" dirty="0"/>
+                <a:rPr lang="de-DE" sz="1600" dirty="0">
+                  <a:latin typeface="IBM Plex Sans" panose="020B0503050203000203" pitchFamily="34" charset="0"/>
+                </a:rPr>
                 <a:t>Data</a:t>
               </a:r>
-              <a:endParaRPr lang="en-IE" sz="1600" dirty="0"/>
+              <a:endParaRPr lang="en-IE" sz="1600" dirty="0">
+                <a:latin typeface="IBM Plex Sans" panose="020B0503050203000203" pitchFamily="34" charset="0"/>
+              </a:endParaRPr>
             </a:p>
           </p:txBody>
         </p:sp>
@@ -4545,10 +4689,14 @@
             <a:lstStyle/>
             <a:p>
               <a:r>
-                <a:rPr lang="de-DE" sz="1600" dirty="0"/>
+                <a:rPr lang="de-DE" sz="1600" dirty="0">
+                  <a:latin typeface="IBM Plex Sans" panose="020B0503050203000203" pitchFamily="34" charset="0"/>
+                </a:rPr>
                 <a:t>Methods</a:t>
               </a:r>
-              <a:endParaRPr lang="en-IE" sz="1600" dirty="0"/>
+              <a:endParaRPr lang="en-IE" sz="1600" dirty="0">
+                <a:latin typeface="IBM Plex Sans" panose="020B0503050203000203" pitchFamily="34" charset="0"/>
+              </a:endParaRPr>
             </a:p>
           </p:txBody>
         </p:sp>
@@ -4633,10 +4781,14 @@
             <a:lstStyle/>
             <a:p>
               <a:r>
-                <a:rPr lang="de-DE" sz="1600" dirty="0"/>
+                <a:rPr lang="de-DE" sz="1600" dirty="0">
+                  <a:latin typeface="IBM Plex Sans" panose="020B0503050203000203" pitchFamily="34" charset="0"/>
+                </a:rPr>
                 <a:t>Data</a:t>
               </a:r>
-              <a:endParaRPr lang="en-IE" sz="1600" dirty="0"/>
+              <a:endParaRPr lang="en-IE" sz="1600" dirty="0">
+                <a:latin typeface="IBM Plex Sans" panose="020B0503050203000203" pitchFamily="34" charset="0"/>
+              </a:endParaRPr>
             </a:p>
           </p:txBody>
         </p:sp>
@@ -4721,10 +4873,14 @@
             <a:lstStyle/>
             <a:p>
               <a:r>
-                <a:rPr lang="de-DE" sz="1600" dirty="0"/>
+                <a:rPr lang="de-DE" sz="1600" dirty="0">
+                  <a:latin typeface="IBM Plex Sans" panose="020B0503050203000203" pitchFamily="34" charset="0"/>
+                </a:rPr>
                 <a:t>Methods</a:t>
               </a:r>
-              <a:endParaRPr lang="en-IE" sz="1600" dirty="0"/>
+              <a:endParaRPr lang="en-IE" sz="1600" dirty="0">
+                <a:latin typeface="IBM Plex Sans" panose="020B0503050203000203" pitchFamily="34" charset="0"/>
+              </a:endParaRPr>
             </a:p>
           </p:txBody>
         </p:sp>
@@ -4750,7 +4906,7 @@
             <a:prstGeom prst="straightConnector1">
               <a:avLst/>
             </a:prstGeom>
-            <a:ln>
+            <a:ln w="38100">
               <a:tailEnd type="triangle"/>
             </a:ln>
           </p:spPr>
@@ -4798,62 +4954,92 @@
             <a:lstStyle/>
             <a:p>
               <a:r>
-                <a:rPr lang="de-DE" sz="1400" dirty="0" err="1"/>
+                <a:rPr lang="de-DE" sz="1400" dirty="0" err="1">
+                  <a:latin typeface="IBM Plex Sans" panose="020B0503050203000203" pitchFamily="34" charset="0"/>
+                </a:rPr>
                 <a:t>There</a:t>
               </a:r>
               <a:r>
-                <a:rPr lang="de-DE" sz="1400" dirty="0"/>
+                <a:rPr lang="de-DE" sz="1400" dirty="0">
+                  <a:latin typeface="IBM Plex Sans" panose="020B0503050203000203" pitchFamily="34" charset="0"/>
+                </a:rPr>
                 <a:t> </a:t>
               </a:r>
               <a:r>
-                <a:rPr lang="de-DE" sz="1400" dirty="0" err="1"/>
+                <a:rPr lang="de-DE" sz="1400" dirty="0" err="1">
+                  <a:latin typeface="IBM Plex Sans" panose="020B0503050203000203" pitchFamily="34" charset="0"/>
+                </a:rPr>
                 <a:t>are</a:t>
               </a:r>
               <a:r>
-                <a:rPr lang="de-DE" sz="1400" dirty="0"/>
+                <a:rPr lang="de-DE" sz="1400" dirty="0">
+                  <a:latin typeface="IBM Plex Sans" panose="020B0503050203000203" pitchFamily="34" charset="0"/>
+                </a:rPr>
                 <a:t> different OOP </a:t>
               </a:r>
               <a:r>
-                <a:rPr lang="de-DE" sz="1400" dirty="0" err="1"/>
+                <a:rPr lang="de-DE" sz="1400" dirty="0" err="1">
+                  <a:latin typeface="IBM Plex Sans" panose="020B0503050203000203" pitchFamily="34" charset="0"/>
+                </a:rPr>
                 <a:t>approaches</a:t>
               </a:r>
               <a:r>
-                <a:rPr lang="de-DE" sz="1400" dirty="0"/>
+                <a:rPr lang="de-DE" sz="1400" dirty="0">
+                  <a:latin typeface="IBM Plex Sans" panose="020B0503050203000203" pitchFamily="34" charset="0"/>
+                </a:rPr>
                 <a:t> in R </a:t>
               </a:r>
               <a:r>
-                <a:rPr lang="de-DE" sz="1400" dirty="0" err="1"/>
+                <a:rPr lang="de-DE" sz="1400" dirty="0" err="1">
+                  <a:latin typeface="IBM Plex Sans" panose="020B0503050203000203" pitchFamily="34" charset="0"/>
+                </a:rPr>
                 <a:t>to</a:t>
               </a:r>
               <a:r>
-                <a:rPr lang="de-DE" sz="1400" dirty="0"/>
+                <a:rPr lang="de-DE" sz="1400" dirty="0">
+                  <a:latin typeface="IBM Plex Sans" panose="020B0503050203000203" pitchFamily="34" charset="0"/>
+                </a:rPr>
                 <a:t> </a:t>
               </a:r>
               <a:r>
-                <a:rPr lang="de-DE" sz="1400" dirty="0" err="1"/>
+                <a:rPr lang="de-DE" sz="1400" dirty="0" err="1">
+                  <a:latin typeface="IBM Plex Sans" panose="020B0503050203000203" pitchFamily="34" charset="0"/>
+                </a:rPr>
                 <a:t>create</a:t>
               </a:r>
               <a:r>
-                <a:rPr lang="de-DE" sz="1400" dirty="0"/>
+                <a:rPr lang="de-DE" sz="1400" dirty="0">
+                  <a:latin typeface="IBM Plex Sans" panose="020B0503050203000203" pitchFamily="34" charset="0"/>
+                </a:rPr>
                 <a:t> </a:t>
               </a:r>
               <a:r>
-                <a:rPr lang="de-DE" sz="1400" dirty="0" err="1"/>
+                <a:rPr lang="de-DE" sz="1400" dirty="0" err="1">
+                  <a:latin typeface="IBM Plex Sans" panose="020B0503050203000203" pitchFamily="34" charset="0"/>
+                </a:rPr>
                 <a:t>classes</a:t>
               </a:r>
               <a:r>
-                <a:rPr lang="de-DE" sz="1400" dirty="0"/>
+                <a:rPr lang="de-DE" sz="1400" dirty="0">
+                  <a:latin typeface="IBM Plex Sans" panose="020B0503050203000203" pitchFamily="34" charset="0"/>
+                </a:rPr>
                 <a:t> in R: S3, S4 and R6 „</a:t>
               </a:r>
               <a:r>
-                <a:rPr lang="de-DE" sz="1400" dirty="0" err="1"/>
+                <a:rPr lang="de-DE" sz="1400" dirty="0" err="1">
+                  <a:latin typeface="IBM Plex Sans" panose="020B0503050203000203" pitchFamily="34" charset="0"/>
+                </a:rPr>
                 <a:t>classes</a:t>
               </a:r>
               <a:r>
-                <a:rPr lang="de-DE" sz="1400" dirty="0"/>
+                <a:rPr lang="de-DE" sz="1400" dirty="0">
+                  <a:latin typeface="IBM Plex Sans" panose="020B0503050203000203" pitchFamily="34" charset="0"/>
+                </a:rPr>
                 <a:t>“.</a:t>
               </a:r>
-              <a:endParaRPr lang="en-IE" sz="1400" dirty="0"/>
+              <a:endParaRPr lang="en-IE" sz="1400" dirty="0">
+                <a:latin typeface="IBM Plex Sans" panose="020B0503050203000203" pitchFamily="34" charset="0"/>
+              </a:endParaRPr>
             </a:p>
           </p:txBody>
         </p:sp>
@@ -4879,7 +5065,7 @@
             <a:prstGeom prst="straightConnector1">
               <a:avLst/>
             </a:prstGeom>
-            <a:ln>
+            <a:ln w="38100">
               <a:tailEnd type="triangle"/>
             </a:ln>
           </p:spPr>
@@ -4912,7 +5098,7 @@
           </p:nvSpPr>
           <p:spPr>
             <a:xfrm>
-              <a:off x="541655" y="5976964"/>
+              <a:off x="560751" y="5979383"/>
               <a:ext cx="3879344" cy="523220"/>
             </a:xfrm>
             <a:prstGeom prst="rect">
@@ -4927,94 +5113,140 @@
             <a:lstStyle/>
             <a:p>
               <a:r>
-                <a:rPr lang="de-DE" sz="1400" dirty="0" err="1"/>
+                <a:rPr lang="de-DE" sz="1400" dirty="0" err="1">
+                  <a:latin typeface="IBM Plex Sans" panose="020B0503050203000203" pitchFamily="34" charset="0"/>
+                </a:rPr>
                 <a:t>Functions</a:t>
               </a:r>
               <a:r>
-                <a:rPr lang="de-DE" sz="1400" dirty="0"/>
+                <a:rPr lang="de-DE" sz="1400" dirty="0">
+                  <a:latin typeface="IBM Plex Sans" panose="020B0503050203000203" pitchFamily="34" charset="0"/>
+                </a:rPr>
                 <a:t> </a:t>
               </a:r>
               <a:r>
-                <a:rPr lang="de-DE" sz="1400" dirty="0" err="1"/>
+                <a:rPr lang="de-DE" sz="1400" dirty="0" err="1">
+                  <a:latin typeface="IBM Plex Sans" panose="020B0503050203000203" pitchFamily="34" charset="0"/>
+                </a:rPr>
                 <a:t>that</a:t>
               </a:r>
               <a:r>
-                <a:rPr lang="de-DE" sz="1400" dirty="0"/>
+                <a:rPr lang="de-DE" sz="1400" dirty="0">
+                  <a:latin typeface="IBM Plex Sans" panose="020B0503050203000203" pitchFamily="34" charset="0"/>
+                </a:rPr>
                 <a:t> </a:t>
               </a:r>
               <a:r>
-                <a:rPr lang="de-DE" sz="1400" dirty="0" err="1"/>
+                <a:rPr lang="de-DE" sz="1400" dirty="0" err="1">
+                  <a:latin typeface="IBM Plex Sans" panose="020B0503050203000203" pitchFamily="34" charset="0"/>
+                </a:rPr>
                 <a:t>are</a:t>
               </a:r>
               <a:r>
-                <a:rPr lang="de-DE" sz="1400" dirty="0"/>
+                <a:rPr lang="de-DE" sz="1400" dirty="0">
+                  <a:latin typeface="IBM Plex Sans" panose="020B0503050203000203" pitchFamily="34" charset="0"/>
+                </a:rPr>
                 <a:t> </a:t>
               </a:r>
               <a:r>
-                <a:rPr lang="de-DE" sz="1400" dirty="0" err="1"/>
+                <a:rPr lang="de-DE" sz="1400" dirty="0" err="1">
+                  <a:latin typeface="IBM Plex Sans" panose="020B0503050203000203" pitchFamily="34" charset="0"/>
+                </a:rPr>
                 <a:t>specialized</a:t>
               </a:r>
               <a:r>
-                <a:rPr lang="de-DE" sz="1400" dirty="0"/>
+                <a:rPr lang="de-DE" sz="1400" dirty="0">
+                  <a:latin typeface="IBM Plex Sans" panose="020B0503050203000203" pitchFamily="34" charset="0"/>
+                </a:rPr>
                 <a:t> </a:t>
               </a:r>
               <a:r>
-                <a:rPr lang="de-DE" sz="1400" dirty="0" err="1"/>
+                <a:rPr lang="de-DE" sz="1400" dirty="0" err="1">
+                  <a:latin typeface="IBM Plex Sans" panose="020B0503050203000203" pitchFamily="34" charset="0"/>
+                </a:rPr>
                 <a:t>to</a:t>
               </a:r>
               <a:r>
-                <a:rPr lang="de-DE" sz="1400" dirty="0"/>
+                <a:rPr lang="de-DE" sz="1400" dirty="0">
+                  <a:latin typeface="IBM Plex Sans" panose="020B0503050203000203" pitchFamily="34" charset="0"/>
+                </a:rPr>
                 <a:t> carry out </a:t>
               </a:r>
               <a:r>
-                <a:rPr lang="de-DE" sz="1400" dirty="0" err="1"/>
+                <a:rPr lang="de-DE" sz="1400" dirty="0" err="1">
+                  <a:latin typeface="IBM Plex Sans" panose="020B0503050203000203" pitchFamily="34" charset="0"/>
+                </a:rPr>
                 <a:t>calculations</a:t>
               </a:r>
               <a:r>
-                <a:rPr lang="de-DE" sz="1400" dirty="0"/>
+                <a:rPr lang="de-DE" sz="1400" dirty="0">
+                  <a:latin typeface="IBM Plex Sans" panose="020B0503050203000203" pitchFamily="34" charset="0"/>
+                </a:rPr>
                 <a:t> on </a:t>
               </a:r>
               <a:r>
-                <a:rPr lang="de-DE" sz="1400" dirty="0" err="1"/>
+                <a:rPr lang="de-DE" sz="1400" dirty="0" err="1">
+                  <a:latin typeface="IBM Plex Sans" panose="020B0503050203000203" pitchFamily="34" charset="0"/>
+                </a:rPr>
                 <a:t>objects</a:t>
               </a:r>
               <a:r>
-                <a:rPr lang="de-DE" sz="1400" dirty="0"/>
+                <a:rPr lang="de-DE" sz="1400" dirty="0">
+                  <a:latin typeface="IBM Plex Sans" panose="020B0503050203000203" pitchFamily="34" charset="0"/>
+                </a:rPr>
                 <a:t> </a:t>
               </a:r>
               <a:r>
-                <a:rPr lang="de-DE" sz="1400" dirty="0" err="1"/>
+                <a:rPr lang="de-DE" sz="1400" dirty="0" err="1">
+                  <a:latin typeface="IBM Plex Sans" panose="020B0503050203000203" pitchFamily="34" charset="0"/>
+                </a:rPr>
                 <a:t>of</a:t>
               </a:r>
               <a:r>
-                <a:rPr lang="de-DE" sz="1400" dirty="0"/>
+                <a:rPr lang="de-DE" sz="1400" dirty="0">
+                  <a:latin typeface="IBM Plex Sans" panose="020B0503050203000203" pitchFamily="34" charset="0"/>
+                </a:rPr>
                 <a:t> </a:t>
               </a:r>
               <a:r>
-                <a:rPr lang="de-DE" sz="1400" dirty="0" err="1"/>
+                <a:rPr lang="de-DE" sz="1400" dirty="0" err="1">
+                  <a:latin typeface="IBM Plex Sans" panose="020B0503050203000203" pitchFamily="34" charset="0"/>
+                </a:rPr>
                 <a:t>the</a:t>
               </a:r>
               <a:r>
-                <a:rPr lang="de-DE" sz="1400" dirty="0"/>
+                <a:rPr lang="de-DE" sz="1400" dirty="0">
+                  <a:latin typeface="IBM Plex Sans" panose="020B0503050203000203" pitchFamily="34" charset="0"/>
+                </a:rPr>
                 <a:t> </a:t>
               </a:r>
               <a:r>
-                <a:rPr lang="de-DE" sz="1400" dirty="0" err="1"/>
+                <a:rPr lang="de-DE" sz="1400" dirty="0" err="1">
+                  <a:latin typeface="IBM Plex Sans" panose="020B0503050203000203" pitchFamily="34" charset="0"/>
+                </a:rPr>
                 <a:t>specific</a:t>
               </a:r>
               <a:r>
-                <a:rPr lang="de-DE" sz="1400" dirty="0"/>
+                <a:rPr lang="de-DE" sz="1400" dirty="0">
+                  <a:latin typeface="IBM Plex Sans" panose="020B0503050203000203" pitchFamily="34" charset="0"/>
+                </a:rPr>
                 <a:t> </a:t>
               </a:r>
               <a:r>
-                <a:rPr lang="de-DE" sz="1400" dirty="0" err="1"/>
+                <a:rPr lang="de-DE" sz="1400" dirty="0" err="1">
+                  <a:latin typeface="IBM Plex Sans" panose="020B0503050203000203" pitchFamily="34" charset="0"/>
+                </a:rPr>
                 <a:t>class</a:t>
               </a:r>
               <a:r>
-                <a:rPr lang="de-DE" sz="1400" dirty="0"/>
+                <a:rPr lang="de-DE" sz="1400" dirty="0">
+                  <a:latin typeface="IBM Plex Sans" panose="020B0503050203000203" pitchFamily="34" charset="0"/>
+                </a:rPr>
                 <a:t>.</a:t>
               </a:r>
-              <a:endParaRPr lang="en-IE" sz="1400" dirty="0"/>
+              <a:endParaRPr lang="en-IE" sz="1400" dirty="0">
+                <a:latin typeface="IBM Plex Sans" panose="020B0503050203000203" pitchFamily="34" charset="0"/>
+              </a:endParaRPr>
             </a:p>
           </p:txBody>
         </p:sp>
@@ -5033,8 +5265,8 @@
         </p:nvSpPr>
         <p:spPr>
           <a:xfrm>
-            <a:off x="9017868" y="4519431"/>
-            <a:ext cx="2918990" cy="2246769"/>
+            <a:off x="9017201" y="4709609"/>
+            <a:ext cx="2918990" cy="2431435"/>
           </a:xfrm>
           <a:prstGeom prst="rect">
             <a:avLst/>
@@ -5048,84 +5280,130 @@
           <a:lstStyle/>
           <a:p>
             <a:r>
-              <a:rPr lang="de-DE" sz="1200" dirty="0"/>
+              <a:rPr lang="de-DE" sz="1200" dirty="0">
+                <a:latin typeface="IBM Plex Sans" panose="020B0503050203000203" pitchFamily="34" charset="0"/>
+              </a:rPr>
               <a:t>R </a:t>
             </a:r>
             <a:r>
-              <a:rPr lang="de-DE" sz="1200" dirty="0" err="1"/>
+              <a:rPr lang="de-DE" sz="1200" dirty="0" err="1">
+                <a:latin typeface="IBM Plex Sans" panose="020B0503050203000203" pitchFamily="34" charset="0"/>
+              </a:rPr>
               <a:t>has</a:t>
             </a:r>
             <a:r>
-              <a:rPr lang="de-DE" sz="1200" dirty="0"/>
+              <a:rPr lang="de-DE" sz="1200" dirty="0">
+                <a:latin typeface="IBM Plex Sans" panose="020B0503050203000203" pitchFamily="34" charset="0"/>
+              </a:rPr>
               <a:t> different </a:t>
             </a:r>
             <a:r>
-              <a:rPr lang="de-DE" sz="1200" dirty="0" err="1"/>
+              <a:rPr lang="de-DE" sz="1200" dirty="0" err="1">
+                <a:latin typeface="IBM Plex Sans" panose="020B0503050203000203" pitchFamily="34" charset="0"/>
+              </a:rPr>
               <a:t>base</a:t>
             </a:r>
             <a:r>
-              <a:rPr lang="de-DE" sz="1200" dirty="0"/>
+              <a:rPr lang="de-DE" sz="1200" dirty="0">
+                <a:latin typeface="IBM Plex Sans" panose="020B0503050203000203" pitchFamily="34" charset="0"/>
+              </a:rPr>
               <a:t> </a:t>
             </a:r>
             <a:r>
-              <a:rPr lang="de-DE" sz="1200" dirty="0" err="1"/>
+              <a:rPr lang="de-DE" sz="1200" dirty="0" err="1">
+                <a:latin typeface="IBM Plex Sans" panose="020B0503050203000203" pitchFamily="34" charset="0"/>
+              </a:rPr>
               <a:t>types</a:t>
             </a:r>
             <a:r>
-              <a:rPr lang="de-DE" sz="1200" dirty="0"/>
+              <a:rPr lang="de-DE" sz="1200" dirty="0">
+                <a:latin typeface="IBM Plex Sans" panose="020B0503050203000203" pitchFamily="34" charset="0"/>
+              </a:rPr>
               <a:t> </a:t>
             </a:r>
             <a:r>
-              <a:rPr lang="de-DE" sz="1200" dirty="0" err="1"/>
+              <a:rPr lang="de-DE" sz="1200" dirty="0" err="1">
+                <a:latin typeface="IBM Plex Sans" panose="020B0503050203000203" pitchFamily="34" charset="0"/>
+              </a:rPr>
               <a:t>that</a:t>
             </a:r>
             <a:r>
-              <a:rPr lang="de-DE" sz="1200" dirty="0"/>
-              <a:t>  </a:t>
-            </a:r>
-            <a:r>
-              <a:rPr lang="de-DE" sz="1200" dirty="0" err="1"/>
+              <a:rPr lang="de-DE" sz="1200" dirty="0">
+                <a:latin typeface="IBM Plex Sans" panose="020B0503050203000203" pitchFamily="34" charset="0"/>
+              </a:rPr>
+              <a:t> </a:t>
+            </a:r>
+            <a:r>
+              <a:rPr lang="de-DE" sz="1200" dirty="0" err="1">
+                <a:latin typeface="IBM Plex Sans" panose="020B0503050203000203" pitchFamily="34" charset="0"/>
+              </a:rPr>
               <a:t>are</a:t>
             </a:r>
             <a:r>
-              <a:rPr lang="de-DE" sz="1200" dirty="0"/>
+              <a:rPr lang="de-DE" sz="1200" dirty="0">
+                <a:latin typeface="IBM Plex Sans" panose="020B0503050203000203" pitchFamily="34" charset="0"/>
+              </a:rPr>
               <a:t> </a:t>
             </a:r>
             <a:r>
-              <a:rPr lang="de-DE" sz="1200" dirty="0" err="1"/>
+              <a:rPr lang="de-DE" sz="1200" dirty="0" err="1">
+                <a:latin typeface="IBM Plex Sans" panose="020B0503050203000203" pitchFamily="34" charset="0"/>
+              </a:rPr>
               <a:t>defined</a:t>
             </a:r>
             <a:r>
-              <a:rPr lang="de-DE" sz="1200" dirty="0"/>
+              <a:rPr lang="de-DE" sz="1200" dirty="0">
+                <a:latin typeface="IBM Plex Sans" panose="020B0503050203000203" pitchFamily="34" charset="0"/>
+              </a:rPr>
               <a:t> in C. These </a:t>
             </a:r>
             <a:r>
-              <a:rPr lang="de-DE" sz="1200" b="1" dirty="0" err="1"/>
+              <a:rPr lang="de-DE" sz="1200" b="1" dirty="0" err="1">
+                <a:latin typeface="IBM Plex Sans" panose="020B0503050203000203" pitchFamily="34" charset="0"/>
+              </a:rPr>
               <a:t>cannot</a:t>
             </a:r>
             <a:r>
-              <a:rPr lang="de-DE" sz="1200" b="1" dirty="0"/>
+              <a:rPr lang="de-DE" sz="1200" b="1" dirty="0">
+                <a:latin typeface="IBM Plex Sans" panose="020B0503050203000203" pitchFamily="34" charset="0"/>
+              </a:rPr>
               <a:t> </a:t>
             </a:r>
             <a:r>
-              <a:rPr lang="de-DE" sz="1200" b="1" dirty="0" err="1"/>
+              <a:rPr lang="de-DE" sz="1200" b="1" dirty="0" err="1">
+                <a:latin typeface="IBM Plex Sans" panose="020B0503050203000203" pitchFamily="34" charset="0"/>
+              </a:rPr>
               <a:t>be</a:t>
             </a:r>
             <a:r>
-              <a:rPr lang="de-DE" sz="1200" dirty="0"/>
+              <a:rPr lang="de-DE" sz="1200" dirty="0">
+                <a:latin typeface="IBM Plex Sans" panose="020B0503050203000203" pitchFamily="34" charset="0"/>
+              </a:rPr>
               <a:t> </a:t>
             </a:r>
             <a:r>
-              <a:rPr lang="de-DE" sz="1200" b="1" dirty="0" err="1"/>
+              <a:rPr lang="de-DE" sz="1200" b="1" dirty="0" err="1">
+                <a:latin typeface="IBM Plex Sans" panose="020B0503050203000203" pitchFamily="34" charset="0"/>
+              </a:rPr>
               <a:t>altered</a:t>
             </a:r>
             <a:r>
-              <a:rPr lang="de-DE" sz="1200" dirty="0"/>
-              <a:t>, e.g.:</a:t>
-            </a:r>
-          </a:p>
-          <a:p>
-            <a:endParaRPr lang="de-DE" sz="1200" dirty="0"/>
+              <a:rPr lang="de-DE" sz="1200" b="1" dirty="0">
+                <a:latin typeface="IBM Plex Sans" panose="020B0503050203000203" pitchFamily="34" charset="0"/>
+              </a:rPr>
+              <a:t>.</a:t>
+            </a:r>
+            <a:r>
+              <a:rPr lang="de-DE" sz="1200" dirty="0">
+                <a:latin typeface="IBM Plex Sans" panose="020B0503050203000203" pitchFamily="34" charset="0"/>
+              </a:rPr>
+              <a:t> E.g.:</a:t>
+            </a:r>
+          </a:p>
+          <a:p>
+            <a:endParaRPr lang="de-DE" sz="1200" dirty="0">
+              <a:latin typeface="IBM Plex Sans" panose="020B0503050203000203" pitchFamily="34" charset="0"/>
+            </a:endParaRPr>
           </a:p>
           <a:p>
             <a:pPr marL="285750" indent="-285750">
@@ -5133,7 +5411,9 @@
               <a:buChar char="-"/>
             </a:pPr>
             <a:r>
-              <a:rPr lang="de-DE" sz="1200" dirty="0"/>
+              <a:rPr lang="de-DE" sz="1200" dirty="0">
+                <a:latin typeface="IBM Plex Sans" panose="020B0503050203000203" pitchFamily="34" charset="0"/>
+              </a:rPr>
               <a:t>Character</a:t>
             </a:r>
           </a:p>
@@ -5143,27 +5423,39 @@
               <a:buChar char="-"/>
             </a:pPr>
             <a:r>
-              <a:rPr lang="de-DE" sz="1200" dirty="0" err="1"/>
+              <a:rPr lang="de-DE" sz="1200" dirty="0" err="1">
+                <a:latin typeface="IBM Plex Sans" panose="020B0503050203000203" pitchFamily="34" charset="0"/>
+              </a:rPr>
               <a:t>Numeric</a:t>
             </a:r>
             <a:r>
-              <a:rPr lang="de-DE" sz="1200" dirty="0"/>
+              <a:rPr lang="de-DE" sz="1200" dirty="0">
+                <a:latin typeface="IBM Plex Sans" panose="020B0503050203000203" pitchFamily="34" charset="0"/>
+              </a:rPr>
               <a:t> (real </a:t>
             </a:r>
             <a:r>
-              <a:rPr lang="de-DE" sz="1200" dirty="0" err="1"/>
+              <a:rPr lang="de-DE" sz="1200" dirty="0" err="1">
+                <a:latin typeface="IBM Plex Sans" panose="020B0503050203000203" pitchFamily="34" charset="0"/>
+              </a:rPr>
               <a:t>or</a:t>
             </a:r>
             <a:r>
-              <a:rPr lang="de-DE" sz="1200" dirty="0"/>
+              <a:rPr lang="de-DE" sz="1200" dirty="0">
+                <a:latin typeface="IBM Plex Sans" panose="020B0503050203000203" pitchFamily="34" charset="0"/>
+              </a:rPr>
               <a:t> </a:t>
             </a:r>
             <a:r>
-              <a:rPr lang="de-DE" sz="1200" dirty="0" err="1"/>
+              <a:rPr lang="de-DE" sz="1200" dirty="0" err="1">
+                <a:latin typeface="IBM Plex Sans" panose="020B0503050203000203" pitchFamily="34" charset="0"/>
+              </a:rPr>
               <a:t>decimal</a:t>
             </a:r>
             <a:r>
-              <a:rPr lang="de-DE" sz="1200" dirty="0"/>
+              <a:rPr lang="de-DE" sz="1200" dirty="0">
+                <a:latin typeface="IBM Plex Sans" panose="020B0503050203000203" pitchFamily="34" charset="0"/>
+              </a:rPr>
               <a:t>) </a:t>
             </a:r>
           </a:p>
@@ -5173,7 +5465,9 @@
               <a:buChar char="-"/>
             </a:pPr>
             <a:r>
-              <a:rPr lang="de-DE" sz="1200" dirty="0"/>
+              <a:rPr lang="de-DE" sz="1200" dirty="0">
+                <a:latin typeface="IBM Plex Sans" panose="020B0503050203000203" pitchFamily="34" charset="0"/>
+              </a:rPr>
               <a:t>Integer </a:t>
             </a:r>
           </a:p>
@@ -5183,7 +5477,9 @@
               <a:buChar char="-"/>
             </a:pPr>
             <a:r>
-              <a:rPr lang="de-DE" sz="1200" dirty="0"/>
+              <a:rPr lang="de-DE" sz="1200" dirty="0">
+                <a:latin typeface="IBM Plex Sans" panose="020B0503050203000203" pitchFamily="34" charset="0"/>
+              </a:rPr>
               <a:t>Logical </a:t>
             </a:r>
           </a:p>
@@ -5193,7 +5489,9 @@
               <a:buChar char="-"/>
             </a:pPr>
             <a:r>
-              <a:rPr lang="de-DE" sz="1200" dirty="0"/>
+              <a:rPr lang="de-DE" sz="1200" dirty="0">
+                <a:latin typeface="IBM Plex Sans" panose="020B0503050203000203" pitchFamily="34" charset="0"/>
+              </a:rPr>
               <a:t>List</a:t>
             </a:r>
           </a:p>
@@ -5203,7 +5501,9 @@
               <a:buChar char="-"/>
             </a:pPr>
             <a:r>
-              <a:rPr lang="de-DE" sz="1200" dirty="0"/>
+              <a:rPr lang="de-DE" sz="1200" dirty="0">
+                <a:latin typeface="IBM Plex Sans" panose="020B0503050203000203" pitchFamily="34" charset="0"/>
+              </a:rPr>
               <a:t>…</a:t>
             </a:r>
           </a:p>
@@ -5230,7 +5530,7 @@
         <p:spPr>
           <a:xfrm>
             <a:off x="8975392" y="3596635"/>
-            <a:ext cx="3037308" cy="830997"/>
+            <a:ext cx="3037308" cy="1015663"/>
           </a:xfrm>
           <a:prstGeom prst="rect">
             <a:avLst/>
@@ -5248,8 +5548,10 @@
               <a:buChar char="•"/>
             </a:pPr>
             <a:r>
-              <a:rPr lang="en-IE" sz="1200" dirty="0"/>
-              <a:t>Every object has  a base type/ inherits from a “base class”.</a:t>
+              <a:rPr lang="en-IE" sz="1200" dirty="0">
+                <a:latin typeface="IBM Plex Sans" panose="020B0503050203000203" pitchFamily="34" charset="0"/>
+              </a:rPr>
+              <a:t>Every object has  a base type (mode)/ inherits from a “base class”.</a:t>
             </a:r>
           </a:p>
           <a:p>
@@ -5257,7 +5559,9 @@
               <a:buFont typeface="Arial" panose="020B0604020202020204" pitchFamily="34" charset="0"/>
               <a:buChar char="•"/>
             </a:pPr>
-            <a:endParaRPr lang="en-IE" sz="1200" dirty="0"/>
+            <a:endParaRPr lang="en-IE" sz="1200" dirty="0">
+              <a:latin typeface="IBM Plex Sans" panose="020B0503050203000203" pitchFamily="34" charset="0"/>
+            </a:endParaRPr>
           </a:p>
           <a:p>
             <a:pPr marL="171450" indent="-171450">
@@ -5265,7 +5569,9 @@
               <a:buChar char="•"/>
             </a:pPr>
             <a:r>
-              <a:rPr lang="en-IE" sz="1200" dirty="0"/>
+              <a:rPr lang="en-IE" sz="1200" dirty="0">
+                <a:latin typeface="IBM Plex Sans" panose="020B0503050203000203" pitchFamily="34" charset="0"/>
+              </a:rPr>
               <a:t>This is how R stores an object in memory</a:t>
             </a:r>
           </a:p>
@@ -5300,10 +5606,14 @@
           <a:lstStyle/>
           <a:p>
             <a:r>
-              <a:rPr lang="de-DE" dirty="0"/>
+              <a:rPr lang="de-DE" dirty="0">
+                <a:latin typeface="IBM Plex Sans" panose="020B0503050203000203" pitchFamily="34" charset="0"/>
+              </a:rPr>
               <a:t>Type/Mode</a:t>
             </a:r>
-            <a:endParaRPr lang="en-IE" dirty="0"/>
+            <a:endParaRPr lang="en-IE" dirty="0">
+              <a:latin typeface="IBM Plex Sans" panose="020B0503050203000203" pitchFamily="34" charset="0"/>
+            </a:endParaRPr>
           </a:p>
         </p:txBody>
       </p:sp>
@@ -5330,7 +5640,7 @@
           <a:prstGeom prst="straightConnector1">
             <a:avLst/>
           </a:prstGeom>
-          <a:ln>
+          <a:ln w="38100">
             <a:tailEnd type="triangle"/>
           </a:ln>
         </p:spPr>
